--- a/slides/201706 HUJI.pptx
+++ b/slides/201706 HUJI.pptx
@@ -16,10 +16,10 @@
     <p:sldId id="323" r:id="rId4"/>
     <p:sldId id="324" r:id="rId5"/>
     <p:sldId id="311" r:id="rId6"/>
-    <p:sldId id="312" r:id="rId7"/>
-    <p:sldId id="314" r:id="rId8"/>
-    <p:sldId id="315" r:id="rId9"/>
-    <p:sldId id="317" r:id="rId10"/>
+    <p:sldId id="317" r:id="rId7"/>
+    <p:sldId id="312" r:id="rId8"/>
+    <p:sldId id="314" r:id="rId9"/>
+    <p:sldId id="315" r:id="rId10"/>
     <p:sldId id="316" r:id="rId11"/>
     <p:sldId id="318" r:id="rId12"/>
     <p:sldId id="319" r:id="rId13"/>
@@ -164,10 +164,10 @@
             <p14:sldId id="323"/>
             <p14:sldId id="324"/>
             <p14:sldId id="311"/>
+            <p14:sldId id="317"/>
             <p14:sldId id="312"/>
             <p14:sldId id="314"/>
             <p14:sldId id="315"/>
-            <p14:sldId id="317"/>
             <p14:sldId id="316"/>
             <p14:sldId id="318"/>
             <p14:sldId id="319"/>
@@ -310,7 +310,7 @@
             <a:fld id="{5B2BDA18-3627-4456-AF5A-4A14941966C9}" type="datetimeFigureOut">
               <a:rPr lang="en-US" altLang="en-US"/>
               <a:pPr/>
-              <a:t>6/21/2017</a:t>
+              <a:t>6/22/2017</a:t>
             </a:fld>
             <a:endParaRPr lang="en-US" altLang="en-US"/>
           </a:p>
@@ -538,7 +538,7 @@
             <a:fld id="{2FE98AB1-7213-425D-8DE9-24CD8B66D400}" type="datetimeFigureOut">
               <a:rPr lang="en-US" altLang="en-US"/>
               <a:pPr/>
-              <a:t>6/21/2017</a:t>
+              <a:t>6/22/2017</a:t>
             </a:fld>
             <a:endParaRPr lang="en-US" altLang="en-US"/>
           </a:p>
@@ -1078,8 +1078,8 @@
         </p:blipFill>
         <p:spPr bwMode="auto">
           <a:xfrm>
-            <a:off x="5367339" y="4883153"/>
-            <a:ext cx="1159669" cy="188913"/>
+            <a:off x="4572000" y="4884101"/>
+            <a:ext cx="2089683" cy="243279"/>
           </a:xfrm>
           <a:prstGeom prst="rect">
             <a:avLst/>
@@ -1090,14 +1090,14 @@
           </a:ln>
           <a:extLst>
             <a:ext uri="{909E8E84-426E-40dd-AFC4-6F175D3DCCD1}">
-              <a14:hiddenFill xmlns:a14="http://schemas.microsoft.com/office/drawing/2010/main" xmlns="">
+              <a14:hiddenFill xmlns="" xmlns:a14="http://schemas.microsoft.com/office/drawing/2010/main">
                 <a:solidFill>
                   <a:srgbClr val="FFFFFF"/>
                 </a:solidFill>
               </a14:hiddenFill>
             </a:ext>
             <a:ext uri="{91240B29-F687-4f45-9708-019B960494DF}">
-              <a14:hiddenLine xmlns:a14="http://schemas.microsoft.com/office/drawing/2010/main" xmlns="" w="9525">
+              <a14:hiddenLine xmlns="" xmlns:a14="http://schemas.microsoft.com/office/drawing/2010/main" w="9525">
                 <a:solidFill>
                   <a:srgbClr val="000000"/>
                 </a:solidFill>
@@ -1459,8 +1459,8 @@
         </p:blipFill>
         <p:spPr bwMode="auto">
           <a:xfrm>
-            <a:off x="5367339" y="4883153"/>
-            <a:ext cx="1159669" cy="188913"/>
+            <a:off x="4205145" y="4853491"/>
+            <a:ext cx="2321864" cy="282798"/>
           </a:xfrm>
           <a:prstGeom prst="rect">
             <a:avLst/>
@@ -1471,14 +1471,14 @@
           </a:ln>
           <a:extLst>
             <a:ext uri="{909E8E84-426E-40dd-AFC4-6F175D3DCCD1}">
-              <a14:hiddenFill xmlns:a14="http://schemas.microsoft.com/office/drawing/2010/main" xmlns="">
+              <a14:hiddenFill xmlns="" xmlns:a14="http://schemas.microsoft.com/office/drawing/2010/main">
                 <a:solidFill>
                   <a:srgbClr val="FFFFFF"/>
                 </a:solidFill>
               </a14:hiddenFill>
             </a:ext>
             <a:ext uri="{91240B29-F687-4f45-9708-019B960494DF}">
-              <a14:hiddenLine xmlns:a14="http://schemas.microsoft.com/office/drawing/2010/main" xmlns="" w="9525">
+              <a14:hiddenLine xmlns="" xmlns:a14="http://schemas.microsoft.com/office/drawing/2010/main" w="9525">
                 <a:solidFill>
                   <a:srgbClr val="000000"/>
                 </a:solidFill>
@@ -4678,14 +4678,14 @@
           </a:ln>
           <a:extLst>
             <a:ext uri="{909E8E84-426E-40dd-AFC4-6F175D3DCCD1}">
-              <a14:hiddenFill xmlns:a14="http://schemas.microsoft.com/office/drawing/2010/main" xmlns="">
+              <a14:hiddenFill xmlns="" xmlns:a14="http://schemas.microsoft.com/office/drawing/2010/main">
                 <a:solidFill>
                   <a:srgbClr val="FFFFFF"/>
                 </a:solidFill>
               </a14:hiddenFill>
             </a:ext>
             <a:ext uri="{91240B29-F687-4f45-9708-019B960494DF}">
-              <a14:hiddenLine xmlns:a14="http://schemas.microsoft.com/office/drawing/2010/main" xmlns="" w="9525">
+              <a14:hiddenLine xmlns="" xmlns:a14="http://schemas.microsoft.com/office/drawing/2010/main" w="9525">
                 <a:solidFill>
                   <a:srgbClr val="000000"/>
                 </a:solidFill>
@@ -5978,14 +5978,14 @@
           </a:ln>
           <a:extLst>
             <a:ext uri="{909E8E84-426E-40dd-AFC4-6F175D3DCCD1}">
-              <a14:hiddenFill xmlns:a14="http://schemas.microsoft.com/office/drawing/2010/main" xmlns="">
+              <a14:hiddenFill xmlns="" xmlns:a14="http://schemas.microsoft.com/office/drawing/2010/main">
                 <a:solidFill>
                   <a:srgbClr val="FFFFFF"/>
                 </a:solidFill>
               </a14:hiddenFill>
             </a:ext>
             <a:ext uri="{91240B29-F687-4f45-9708-019B960494DF}">
-              <a14:hiddenLine xmlns:a14="http://schemas.microsoft.com/office/drawing/2010/main" xmlns="" w="9525">
+              <a14:hiddenLine xmlns="" xmlns:a14="http://schemas.microsoft.com/office/drawing/2010/main" w="9525">
                 <a:solidFill>
                   <a:srgbClr val="000000"/>
                 </a:solidFill>
@@ -6625,6 +6625,82 @@
           </a:p>
         </p:txBody>
       </p:sp>
+      <p:sp>
+        <p:nvSpPr>
+          <p:cNvPr id="2" name="TextBox 1">
+            <a:extLst>
+              <a:ext uri="{FF2B5EF4-FFF2-40B4-BE49-F238E27FC236}">
+                <a16:creationId xmlns:a16="http://schemas.microsoft.com/office/drawing/2014/main" id="{CE294FE5-1B0C-4C9F-A0CF-D1BF4D762AA3}"/>
+              </a:ext>
+            </a:extLst>
+          </p:cNvPr>
+          <p:cNvSpPr txBox="1"/>
+          <p:nvPr/>
+        </p:nvSpPr>
+        <p:spPr>
+          <a:xfrm>
+            <a:off x="663388" y="4356847"/>
+            <a:ext cx="6245413" cy="369332"/>
+          </a:xfrm>
+          <a:prstGeom prst="rect">
+            <a:avLst/>
+          </a:prstGeom>
+          <a:noFill/>
+        </p:spPr>
+        <p:txBody>
+          <a:bodyPr wrap="square" rtlCol="0">
+            <a:spAutoFit/>
+          </a:bodyPr>
+          <a:lstStyle/>
+          <a:p>
+            <a:r>
+              <a:rPr lang="en-US" dirty="0">
+                <a:solidFill>
+                  <a:schemeClr val="accent6"/>
+                </a:solidFill>
+                <a:effectLst>
+                  <a:outerShdw blurRad="38100" dist="38100" dir="2700000" algn="tl">
+                    <a:srgbClr val="000000">
+                      <a:alpha val="43137"/>
+                    </a:srgbClr>
+                  </a:outerShdw>
+                </a:effectLst>
+              </a:rPr>
+              <a:t>2</a:t>
+            </a:r>
+            <a:r>
+              <a:rPr lang="en-US" baseline="30000" dirty="0">
+                <a:solidFill>
+                  <a:schemeClr val="accent6"/>
+                </a:solidFill>
+                <a:effectLst>
+                  <a:outerShdw blurRad="38100" dist="38100" dir="2700000" algn="tl">
+                    <a:srgbClr val="000000">
+                      <a:alpha val="43137"/>
+                    </a:srgbClr>
+                  </a:outerShdw>
+                </a:effectLst>
+              </a:rPr>
+              <a:t>nd</a:t>
+            </a:r>
+            <a:r>
+              <a:rPr lang="en-US" dirty="0">
+                <a:solidFill>
+                  <a:schemeClr val="accent6"/>
+                </a:solidFill>
+                <a:effectLst>
+                  <a:outerShdw blurRad="38100" dist="38100" dir="2700000" algn="tl">
+                    <a:srgbClr val="000000">
+                      <a:alpha val="43137"/>
+                    </a:srgbClr>
+                  </a:outerShdw>
+                </a:effectLst>
+              </a:rPr>
+              <a:t> Hebrew University Networking Summer, June 2017</a:t>
+            </a:r>
+          </a:p>
+        </p:txBody>
+      </p:sp>
     </p:spTree>
   </p:cSld>
   <p:clrMapOvr>
@@ -9569,6 +9645,55 @@
           </a:p>
         </p:txBody>
       </p:sp>
+      <p:sp>
+        <p:nvSpPr>
+          <p:cNvPr id="28" name="TextBox 27">
+            <a:extLst>
+              <a:ext uri="{FF2B5EF4-FFF2-40B4-BE49-F238E27FC236}">
+                <a16:creationId xmlns:a16="http://schemas.microsoft.com/office/drawing/2014/main" id="{4444C210-BD25-4B86-B60F-269FABFCDE73}"/>
+              </a:ext>
+            </a:extLst>
+          </p:cNvPr>
+          <p:cNvSpPr txBox="1"/>
+          <p:nvPr/>
+        </p:nvSpPr>
+        <p:spPr>
+          <a:xfrm>
+            <a:off x="2614307" y="3160727"/>
+            <a:ext cx="2131411" cy="253916"/>
+          </a:xfrm>
+          <a:prstGeom prst="rect">
+            <a:avLst/>
+          </a:prstGeom>
+          <a:noFill/>
+        </p:spPr>
+        <p:txBody>
+          <a:bodyPr wrap="square" rtlCol="0">
+            <a:spAutoFit/>
+          </a:bodyPr>
+          <a:lstStyle/>
+          <a:p>
+            <a:pPr algn="ctr"/>
+            <a:r>
+              <a:rPr lang="en-US" sz="1050" dirty="0">
+                <a:solidFill>
+                  <a:schemeClr val="tx2">
+                    <a:lumMod val="50000"/>
+                  </a:schemeClr>
+                </a:solidFill>
+                <a:effectLst>
+                  <a:outerShdw blurRad="38100" dist="38100" dir="2700000" algn="tl">
+                    <a:srgbClr val="000000">
+                      <a:alpha val="43137"/>
+                    </a:srgbClr>
+                  </a:outerShdw>
+                </a:effectLst>
+              </a:rPr>
+              <a:t>Handoff</a:t>
+            </a:r>
+          </a:p>
+        </p:txBody>
+      </p:sp>
     </p:spTree>
     <p:extLst>
       <p:ext uri="{BB962C8B-B14F-4D97-AF65-F5344CB8AC3E}">
@@ -9938,46 +10063,6 @@
             <a:r>
               <a:rPr lang="en-US" dirty="0"/>
               <a:t>Port forwarding/tunneling</a:t>
-            </a:r>
-          </a:p>
-          <a:p>
-            <a:pPr>
-              <a:buFont typeface="Arial" panose="020B0604020202020204" pitchFamily="34" charset="0"/>
-              <a:buChar char="•"/>
-            </a:pPr>
-            <a:r>
-              <a:rPr lang="en-US" dirty="0"/>
-              <a:t>SSH-1 introduced in 1995</a:t>
-            </a:r>
-          </a:p>
-          <a:p>
-            <a:pPr>
-              <a:buFont typeface="Arial" panose="020B0604020202020204" pitchFamily="34" charset="0"/>
-              <a:buChar char="•"/>
-            </a:pPr>
-            <a:r>
-              <a:rPr lang="en-US" dirty="0"/>
-              <a:t>SSH-2 adopted as an IETF standard in 2006</a:t>
-            </a:r>
-          </a:p>
-          <a:p>
-            <a:pPr lvl="2">
-              <a:buFont typeface="Arial" panose="020B0604020202020204" pitchFamily="34" charset="0"/>
-              <a:buChar char="•"/>
-            </a:pPr>
-            <a:r>
-              <a:rPr lang="en-US" dirty="0"/>
-              <a:t>Security enhancements (DH key exchange, MAC)</a:t>
-            </a:r>
-          </a:p>
-          <a:p>
-            <a:pPr lvl="2">
-              <a:buFont typeface="Arial" panose="020B0604020202020204" pitchFamily="34" charset="0"/>
-              <a:buChar char="•"/>
-            </a:pPr>
-            <a:r>
-              <a:rPr lang="en-US" dirty="0"/>
-              <a:t>Multiplexing of sessions over a single connection</a:t>
             </a:r>
           </a:p>
           <a:p>
@@ -11822,6 +11907,187 @@
           <a:chExt cx="0" cy="0"/>
         </a:xfrm>
       </p:grpSpPr>
+      <p:sp>
+        <p:nvSpPr>
+          <p:cNvPr id="2" name="Title 1">
+            <a:extLst>
+              <a:ext uri="{FF2B5EF4-FFF2-40B4-BE49-F238E27FC236}">
+                <a16:creationId xmlns:a16="http://schemas.microsoft.com/office/drawing/2014/main" id="{88F85A76-F99A-4ED8-BA15-D0A2522227EC}"/>
+              </a:ext>
+            </a:extLst>
+          </p:cNvPr>
+          <p:cNvSpPr>
+            <a:spLocks noGrp="1"/>
+          </p:cNvSpPr>
+          <p:nvPr>
+            <p:ph type="title"/>
+          </p:nvPr>
+        </p:nvSpPr>
+        <p:spPr/>
+        <p:txBody>
+          <a:bodyPr/>
+          <a:lstStyle/>
+          <a:p>
+            <a:r>
+              <a:rPr lang="en-US" dirty="0"/>
+              <a:t>Goals</a:t>
+            </a:r>
+          </a:p>
+        </p:txBody>
+      </p:sp>
+      <p:sp>
+        <p:nvSpPr>
+          <p:cNvPr id="3" name="Content Placeholder 2">
+            <a:extLst>
+              <a:ext uri="{FF2B5EF4-FFF2-40B4-BE49-F238E27FC236}">
+                <a16:creationId xmlns:a16="http://schemas.microsoft.com/office/drawing/2014/main" id="{A3A0227D-A3DD-46B1-80E9-DA2E1DE8A2BA}"/>
+              </a:ext>
+            </a:extLst>
+          </p:cNvPr>
+          <p:cNvSpPr>
+            <a:spLocks noGrp="1"/>
+          </p:cNvSpPr>
+          <p:nvPr>
+            <p:ph sz="quarter" idx="10"/>
+          </p:nvPr>
+        </p:nvSpPr>
+        <p:spPr/>
+        <p:txBody>
+          <a:bodyPr/>
+          <a:lstStyle/>
+          <a:p>
+            <a:pPr>
+              <a:buFont typeface="Arial" panose="020B0604020202020204" pitchFamily="34" charset="0"/>
+              <a:buChar char="•"/>
+            </a:pPr>
+            <a:r>
+              <a:rPr lang="en-US" b="1" dirty="0"/>
+              <a:t>Security</a:t>
+            </a:r>
+            <a:r>
+              <a:rPr lang="en-US" dirty="0"/>
+              <a:t> – use of private key should be tied to </a:t>
+            </a:r>
+            <a:r>
+              <a:rPr lang="en-US" b="1" i="1" dirty="0"/>
+              <a:t>&lt;client, server, command&gt;</a:t>
+            </a:r>
+          </a:p>
+          <a:p>
+            <a:pPr>
+              <a:buFont typeface="Arial" panose="020B0604020202020204" pitchFamily="34" charset="0"/>
+              <a:buChar char="•"/>
+            </a:pPr>
+            <a:r>
+              <a:rPr lang="en-US" b="1" dirty="0"/>
+              <a:t>Transparency</a:t>
+            </a:r>
+            <a:r>
+              <a:rPr lang="en-US" dirty="0"/>
+              <a:t> – ability to audit all uses of private key</a:t>
+            </a:r>
+          </a:p>
+          <a:p>
+            <a:pPr>
+              <a:buFont typeface="Arial" panose="020B0604020202020204" pitchFamily="34" charset="0"/>
+              <a:buChar char="•"/>
+            </a:pPr>
+            <a:r>
+              <a:rPr lang="en-US" b="1" dirty="0"/>
+              <a:t>Simple key management –  </a:t>
+            </a:r>
+          </a:p>
+          <a:p>
+            <a:pPr lvl="2">
+              <a:buFont typeface="Arial" panose="020B0604020202020204" pitchFamily="34" charset="0"/>
+              <a:buChar char="•"/>
+            </a:pPr>
+            <a:r>
+              <a:rPr lang="en-US" dirty="0"/>
+              <a:t>Avoid proliferation of private key</a:t>
+            </a:r>
+          </a:p>
+          <a:p>
+            <a:pPr lvl="2">
+              <a:buFont typeface="Arial" panose="020B0604020202020204" pitchFamily="34" charset="0"/>
+              <a:buChar char="•"/>
+            </a:pPr>
+            <a:r>
+              <a:rPr lang="en-US" dirty="0"/>
+              <a:t>Avoid multiple keys </a:t>
+            </a:r>
+          </a:p>
+          <a:p>
+            <a:pPr marL="257175" lvl="1" indent="-257175">
+              <a:buFont typeface="Arial" panose="020B0604020202020204" pitchFamily="34" charset="0"/>
+              <a:buChar char="•"/>
+            </a:pPr>
+            <a:r>
+              <a:rPr lang="en-US" b="1" spc="15" dirty="0">
+                <a:solidFill>
+                  <a:schemeClr val="tx1"/>
+                </a:solidFill>
+              </a:rPr>
+              <a:t>“Transport layer friendliness”</a:t>
+            </a:r>
+          </a:p>
+          <a:p>
+            <a:pPr lvl="1">
+              <a:buFont typeface="Arial" panose="020B0604020202020204" pitchFamily="34" charset="0"/>
+              <a:buChar char="•"/>
+            </a:pPr>
+            <a:r>
+              <a:rPr lang="en-US" b="1" spc="15" dirty="0">
+                <a:solidFill>
+                  <a:schemeClr val="tx1"/>
+                </a:solidFill>
+              </a:rPr>
+              <a:t>Compatibility</a:t>
+            </a:r>
+            <a:r>
+              <a:rPr lang="en-US" b="1" dirty="0"/>
+              <a:t> </a:t>
+            </a:r>
+            <a:r>
+              <a:rPr lang="en-US" dirty="0"/>
+              <a:t>with existing server implementations</a:t>
+            </a:r>
+          </a:p>
+        </p:txBody>
+      </p:sp>
+    </p:spTree>
+    <p:extLst>
+      <p:ext uri="{BB962C8B-B14F-4D97-AF65-F5344CB8AC3E}">
+        <p14:creationId xmlns:p14="http://schemas.microsoft.com/office/powerpoint/2010/main" val="3924482838"/>
+      </p:ext>
+    </p:extLst>
+  </p:cSld>
+  <p:clrMapOvr>
+    <a:masterClrMapping/>
+  </p:clrMapOvr>
+  <p:transition spd="slow">
+    <p:fade/>
+  </p:transition>
+</p:sld>
+</file>
+
+<file path=ppt/slides/slide6.xml><?xml version="1.0" encoding="utf-8"?>
+<p:sld xmlns:a="http://schemas.openxmlformats.org/drawingml/2006/main" xmlns:r="http://schemas.openxmlformats.org/officeDocument/2006/relationships" xmlns:p="http://schemas.openxmlformats.org/presentationml/2006/main">
+  <p:cSld>
+    <p:spTree>
+      <p:nvGrpSpPr>
+        <p:cNvPr id="1" name=""/>
+        <p:cNvGrpSpPr/>
+        <p:nvPr/>
+      </p:nvGrpSpPr>
+      <p:grpSpPr>
+        <a:xfrm>
+          <a:off x="0" y="0"/>
+          <a:ext cx="0" cy="0"/>
+          <a:chOff x="0" y="0"/>
+          <a:chExt cx="0" cy="0"/>
+        </a:xfrm>
+      </p:grpSpPr>
       <p:pic>
         <p:nvPicPr>
           <p:cNvPr id="20" name="Picture 22" descr="Image result for cloud server clipart">
@@ -13030,175 +13296,6 @@
 </p:sld>
 </file>
 
-<file path=ppt/slides/slide6.xml><?xml version="1.0" encoding="utf-8"?>
-<p:sld xmlns:a="http://schemas.openxmlformats.org/drawingml/2006/main" xmlns:r="http://schemas.openxmlformats.org/officeDocument/2006/relationships" xmlns:p="http://schemas.openxmlformats.org/presentationml/2006/main">
-  <p:cSld>
-    <p:spTree>
-      <p:nvGrpSpPr>
-        <p:cNvPr id="1" name=""/>
-        <p:cNvGrpSpPr/>
-        <p:nvPr/>
-      </p:nvGrpSpPr>
-      <p:grpSpPr>
-        <a:xfrm>
-          <a:off x="0" y="0"/>
-          <a:ext cx="0" cy="0"/>
-          <a:chOff x="0" y="0"/>
-          <a:chExt cx="0" cy="0"/>
-        </a:xfrm>
-      </p:grpSpPr>
-      <p:sp>
-        <p:nvSpPr>
-          <p:cNvPr id="2" name="Title 1">
-            <a:extLst>
-              <a:ext uri="{FF2B5EF4-FFF2-40B4-BE49-F238E27FC236}">
-                <a16:creationId xmlns:a16="http://schemas.microsoft.com/office/drawing/2014/main" id="{8BFB5F91-8B98-4DB9-ABCC-C263E08ACC4F}"/>
-              </a:ext>
-            </a:extLst>
-          </p:cNvPr>
-          <p:cNvSpPr>
-            <a:spLocks noGrp="1"/>
-          </p:cNvSpPr>
-          <p:nvPr>
-            <p:ph type="title"/>
-          </p:nvPr>
-        </p:nvSpPr>
-        <p:spPr/>
-        <p:txBody>
-          <a:bodyPr/>
-          <a:lstStyle/>
-          <a:p>
-            <a:r>
-              <a:rPr lang="en-US" dirty="0"/>
-              <a:t>Existing Solutions</a:t>
-            </a:r>
-          </a:p>
-        </p:txBody>
-      </p:sp>
-      <p:sp>
-        <p:nvSpPr>
-          <p:cNvPr id="3" name="Content Placeholder 2">
-            <a:extLst>
-              <a:ext uri="{FF2B5EF4-FFF2-40B4-BE49-F238E27FC236}">
-                <a16:creationId xmlns:a16="http://schemas.microsoft.com/office/drawing/2014/main" id="{AABB1032-BC60-4D46-9728-4D3EA8BF34D7}"/>
-              </a:ext>
-            </a:extLst>
-          </p:cNvPr>
-          <p:cNvSpPr>
-            <a:spLocks noGrp="1"/>
-          </p:cNvSpPr>
-          <p:nvPr>
-            <p:ph sz="quarter" idx="10"/>
-          </p:nvPr>
-        </p:nvSpPr>
-        <p:spPr/>
-        <p:txBody>
-          <a:bodyPr/>
-          <a:lstStyle/>
-          <a:p>
-            <a:pPr>
-              <a:buFont typeface="Arial" panose="020B0604020202020204" pitchFamily="34" charset="0"/>
-              <a:buChar char="•"/>
-            </a:pPr>
-            <a:r>
-              <a:rPr lang="en-US" dirty="0"/>
-              <a:t>Fine-grained key management, e.g.,</a:t>
-            </a:r>
-          </a:p>
-          <a:p>
-            <a:pPr lvl="2">
-              <a:buFont typeface="Arial" panose="020B0604020202020204" pitchFamily="34" charset="0"/>
-              <a:buChar char="•"/>
-            </a:pPr>
-            <a:r>
-              <a:rPr lang="en-US" dirty="0"/>
-              <a:t>one key-pair per &lt;client machine, server&gt;</a:t>
-            </a:r>
-          </a:p>
-          <a:p>
-            <a:pPr lvl="2">
-              <a:buFont typeface="Arial" panose="020B0604020202020204" pitchFamily="34" charset="0"/>
-              <a:buChar char="•"/>
-            </a:pPr>
-            <a:r>
-              <a:rPr lang="en-US" dirty="0"/>
-              <a:t>short-lived keys, frequent revocation </a:t>
-            </a:r>
-          </a:p>
-          <a:p>
-            <a:pPr lvl="2">
-              <a:buFont typeface="Arial" panose="020B0604020202020204" pitchFamily="34" charset="0"/>
-              <a:buChar char="•"/>
-            </a:pPr>
-            <a:r>
-              <a:rPr lang="en-US" dirty="0"/>
-              <a:t>Disadvantages:</a:t>
-            </a:r>
-          </a:p>
-          <a:p>
-            <a:pPr lvl="3"/>
-            <a:r>
-              <a:rPr lang="en-US" dirty="0"/>
-              <a:t>Fine-grained key management</a:t>
-            </a:r>
-          </a:p>
-          <a:p>
-            <a:pPr lvl="3"/>
-            <a:r>
-              <a:rPr lang="en-US" dirty="0"/>
-              <a:t>No audit-trail of key usage</a:t>
-            </a:r>
-          </a:p>
-          <a:p>
-            <a:pPr lvl="3"/>
-            <a:r>
-              <a:rPr lang="en-US" dirty="0"/>
-              <a:t>Precision of control might still be insufficient</a:t>
-            </a:r>
-          </a:p>
-          <a:p>
-            <a:pPr lvl="1"/>
-            <a:r>
-              <a:rPr lang="en-US" spc="15" dirty="0">
-                <a:solidFill>
-                  <a:schemeClr val="tx1"/>
-                </a:solidFill>
-              </a:rPr>
-              <a:t>Tunneling the entire connection through the trusted host</a:t>
-            </a:r>
-          </a:p>
-          <a:p>
-            <a:pPr lvl="2"/>
-            <a:r>
-              <a:rPr lang="en-US" dirty="0"/>
-              <a:t>Disadvantage: doubles/triples the amount of traffic, limited bandwidth</a:t>
-            </a:r>
-          </a:p>
-          <a:p>
-            <a:pPr lvl="1">
-              <a:buFont typeface="Arial" panose="020B0604020202020204" pitchFamily="34" charset="0"/>
-              <a:buChar char="•"/>
-            </a:pPr>
-            <a:endParaRPr lang="en-US" dirty="0"/>
-          </a:p>
-        </p:txBody>
-      </p:sp>
-    </p:spTree>
-    <p:extLst>
-      <p:ext uri="{BB962C8B-B14F-4D97-AF65-F5344CB8AC3E}">
-        <p14:creationId xmlns:p14="http://schemas.microsoft.com/office/powerpoint/2010/main" val="4115189785"/>
-      </p:ext>
-    </p:extLst>
-  </p:cSld>
-  <p:clrMapOvr>
-    <a:masterClrMapping/>
-  </p:clrMapOvr>
-  <p:transition spd="slow">
-    <p:fade/>
-  </p:transition>
-</p:sld>
-</file>
-
 <file path=ppt/slides/slide7.xml><?xml version="1.0" encoding="utf-8"?>
 <p:sld xmlns:a="http://schemas.openxmlformats.org/drawingml/2006/main" xmlns:r="http://schemas.openxmlformats.org/officeDocument/2006/relationships" xmlns:p="http://schemas.openxmlformats.org/presentationml/2006/main">
   <p:cSld>
@@ -13221,6 +13318,559 @@
           <p:cNvPr id="2" name="Title 1">
             <a:extLst>
               <a:ext uri="{FF2B5EF4-FFF2-40B4-BE49-F238E27FC236}">
+                <a16:creationId xmlns:a16="http://schemas.microsoft.com/office/drawing/2014/main" id="{8BFB5F91-8B98-4DB9-ABCC-C263E08ACC4F}"/>
+              </a:ext>
+            </a:extLst>
+          </p:cNvPr>
+          <p:cNvSpPr>
+            <a:spLocks noGrp="1"/>
+          </p:cNvSpPr>
+          <p:nvPr>
+            <p:ph type="title"/>
+          </p:nvPr>
+        </p:nvSpPr>
+        <p:spPr/>
+        <p:txBody>
+          <a:bodyPr/>
+          <a:lstStyle/>
+          <a:p>
+            <a:r>
+              <a:rPr lang="en-US" dirty="0"/>
+              <a:t>Existing Solutions</a:t>
+            </a:r>
+          </a:p>
+        </p:txBody>
+      </p:sp>
+      <p:sp>
+        <p:nvSpPr>
+          <p:cNvPr id="3" name="Content Placeholder 2">
+            <a:extLst>
+              <a:ext uri="{FF2B5EF4-FFF2-40B4-BE49-F238E27FC236}">
+                <a16:creationId xmlns:a16="http://schemas.microsoft.com/office/drawing/2014/main" id="{AABB1032-BC60-4D46-9728-4D3EA8BF34D7}"/>
+              </a:ext>
+            </a:extLst>
+          </p:cNvPr>
+          <p:cNvSpPr>
+            <a:spLocks noGrp="1"/>
+          </p:cNvSpPr>
+          <p:nvPr>
+            <p:ph sz="quarter" idx="10"/>
+          </p:nvPr>
+        </p:nvSpPr>
+        <p:spPr/>
+        <p:txBody>
+          <a:bodyPr/>
+          <a:lstStyle/>
+          <a:p>
+            <a:pPr>
+              <a:buFont typeface="Arial" panose="020B0604020202020204" pitchFamily="34" charset="0"/>
+              <a:buChar char="•"/>
+            </a:pPr>
+            <a:r>
+              <a:rPr lang="en-US" dirty="0"/>
+              <a:t>Fine-grained key management, e.g.,</a:t>
+            </a:r>
+          </a:p>
+          <a:p>
+            <a:pPr lvl="2">
+              <a:buFont typeface="Arial" panose="020B0604020202020204" pitchFamily="34" charset="0"/>
+              <a:buChar char="•"/>
+            </a:pPr>
+            <a:r>
+              <a:rPr lang="en-US" dirty="0"/>
+              <a:t>one key-pair per &lt;client machine, server&gt;</a:t>
+            </a:r>
+          </a:p>
+          <a:p>
+            <a:pPr lvl="2">
+              <a:buFont typeface="Arial" panose="020B0604020202020204" pitchFamily="34" charset="0"/>
+              <a:buChar char="•"/>
+            </a:pPr>
+            <a:r>
+              <a:rPr lang="en-US" dirty="0"/>
+              <a:t>short-lived keys, frequent revocation </a:t>
+            </a:r>
+          </a:p>
+          <a:p>
+            <a:pPr lvl="2">
+              <a:buFont typeface="Arial" panose="020B0604020202020204" pitchFamily="34" charset="0"/>
+              <a:buChar char="•"/>
+            </a:pPr>
+            <a:r>
+              <a:rPr lang="en-US" dirty="0"/>
+              <a:t>Disadvantages:</a:t>
+            </a:r>
+          </a:p>
+          <a:p>
+            <a:pPr lvl="3"/>
+            <a:r>
+              <a:rPr lang="en-US" dirty="0"/>
+              <a:t>Fine-grained key management</a:t>
+            </a:r>
+          </a:p>
+          <a:p>
+            <a:pPr lvl="3"/>
+            <a:r>
+              <a:rPr lang="en-US" dirty="0"/>
+              <a:t>No audit-trail of key usage</a:t>
+            </a:r>
+          </a:p>
+          <a:p>
+            <a:pPr lvl="3"/>
+            <a:r>
+              <a:rPr lang="en-US" dirty="0"/>
+              <a:t>Precision of control might still be insufficient</a:t>
+            </a:r>
+          </a:p>
+          <a:p>
+            <a:pPr lvl="1"/>
+            <a:r>
+              <a:rPr lang="en-US" spc="15" dirty="0">
+                <a:solidFill>
+                  <a:schemeClr val="tx1"/>
+                </a:solidFill>
+              </a:rPr>
+              <a:t>Tunneling the entire connection through the trusted host</a:t>
+            </a:r>
+          </a:p>
+          <a:p>
+            <a:pPr lvl="2"/>
+            <a:r>
+              <a:rPr lang="en-US" dirty="0"/>
+              <a:t>Disadvantage: doubles/triples the amount of traffic, limited bandwidth</a:t>
+            </a:r>
+          </a:p>
+          <a:p>
+            <a:pPr lvl="1">
+              <a:buFont typeface="Arial" panose="020B0604020202020204" pitchFamily="34" charset="0"/>
+              <a:buChar char="•"/>
+            </a:pPr>
+            <a:endParaRPr lang="en-US" dirty="0"/>
+          </a:p>
+        </p:txBody>
+      </p:sp>
+    </p:spTree>
+    <p:extLst>
+      <p:ext uri="{BB962C8B-B14F-4D97-AF65-F5344CB8AC3E}">
+        <p14:creationId xmlns:p14="http://schemas.microsoft.com/office/powerpoint/2010/main" val="4115189785"/>
+      </p:ext>
+    </p:extLst>
+  </p:cSld>
+  <p:clrMapOvr>
+    <a:masterClrMapping/>
+  </p:clrMapOvr>
+  <p:transition spd="slow">
+    <p:fade/>
+  </p:transition>
+  <p:timing>
+    <p:tnLst>
+      <p:par>
+        <p:cTn id="1" dur="indefinite" restart="never" nodeType="tmRoot">
+          <p:childTnLst>
+            <p:seq concurrent="1" nextAc="seek">
+              <p:cTn id="2" dur="indefinite" nodeType="mainSeq">
+                <p:childTnLst>
+                  <p:par>
+                    <p:cTn id="3" fill="hold">
+                      <p:stCondLst>
+                        <p:cond delay="indefinite"/>
+                      </p:stCondLst>
+                      <p:childTnLst>
+                        <p:par>
+                          <p:cTn id="4" fill="hold">
+                            <p:stCondLst>
+                              <p:cond delay="0"/>
+                            </p:stCondLst>
+                            <p:childTnLst>
+                              <p:par>
+                                <p:cTn id="5" presetID="1" presetClass="entr" presetSubtype="0" fill="hold" grpId="0" nodeType="clickEffect">
+                                  <p:stCondLst>
+                                    <p:cond delay="0"/>
+                                  </p:stCondLst>
+                                  <p:childTnLst>
+                                    <p:set>
+                                      <p:cBhvr>
+                                        <p:cTn id="6" dur="1" fill="hold">
+                                          <p:stCondLst>
+                                            <p:cond delay="0"/>
+                                          </p:stCondLst>
+                                        </p:cTn>
+                                        <p:tgtEl>
+                                          <p:spTgt spid="3">
+                                            <p:txEl>
+                                              <p:pRg st="0" end="0"/>
+                                            </p:txEl>
+                                          </p:spTgt>
+                                        </p:tgtEl>
+                                        <p:attrNameLst>
+                                          <p:attrName>style.visibility</p:attrName>
+                                        </p:attrNameLst>
+                                      </p:cBhvr>
+                                      <p:to>
+                                        <p:strVal val="visible"/>
+                                      </p:to>
+                                    </p:set>
+                                  </p:childTnLst>
+                                </p:cTn>
+                              </p:par>
+                              <p:par>
+                                <p:cTn id="7" presetID="1" presetClass="entr" presetSubtype="0" fill="hold" grpId="0" nodeType="withEffect">
+                                  <p:stCondLst>
+                                    <p:cond delay="0"/>
+                                  </p:stCondLst>
+                                  <p:childTnLst>
+                                    <p:set>
+                                      <p:cBhvr>
+                                        <p:cTn id="8" dur="1" fill="hold">
+                                          <p:stCondLst>
+                                            <p:cond delay="0"/>
+                                          </p:stCondLst>
+                                        </p:cTn>
+                                        <p:tgtEl>
+                                          <p:spTgt spid="3">
+                                            <p:txEl>
+                                              <p:pRg st="1" end="1"/>
+                                            </p:txEl>
+                                          </p:spTgt>
+                                        </p:tgtEl>
+                                        <p:attrNameLst>
+                                          <p:attrName>style.visibility</p:attrName>
+                                        </p:attrNameLst>
+                                      </p:cBhvr>
+                                      <p:to>
+                                        <p:strVal val="visible"/>
+                                      </p:to>
+                                    </p:set>
+                                  </p:childTnLst>
+                                </p:cTn>
+                              </p:par>
+                              <p:par>
+                                <p:cTn id="9" presetID="1" presetClass="entr" presetSubtype="0" fill="hold" grpId="0" nodeType="withEffect">
+                                  <p:stCondLst>
+                                    <p:cond delay="0"/>
+                                  </p:stCondLst>
+                                  <p:childTnLst>
+                                    <p:set>
+                                      <p:cBhvr>
+                                        <p:cTn id="10" dur="1" fill="hold">
+                                          <p:stCondLst>
+                                            <p:cond delay="0"/>
+                                          </p:stCondLst>
+                                        </p:cTn>
+                                        <p:tgtEl>
+                                          <p:spTgt spid="3">
+                                            <p:txEl>
+                                              <p:pRg st="2" end="2"/>
+                                            </p:txEl>
+                                          </p:spTgt>
+                                        </p:tgtEl>
+                                        <p:attrNameLst>
+                                          <p:attrName>style.visibility</p:attrName>
+                                        </p:attrNameLst>
+                                      </p:cBhvr>
+                                      <p:to>
+                                        <p:strVal val="visible"/>
+                                      </p:to>
+                                    </p:set>
+                                  </p:childTnLst>
+                                </p:cTn>
+                              </p:par>
+                            </p:childTnLst>
+                          </p:cTn>
+                        </p:par>
+                      </p:childTnLst>
+                    </p:cTn>
+                  </p:par>
+                  <p:par>
+                    <p:cTn id="11" fill="hold">
+                      <p:stCondLst>
+                        <p:cond delay="indefinite"/>
+                      </p:stCondLst>
+                      <p:childTnLst>
+                        <p:par>
+                          <p:cTn id="12" fill="hold">
+                            <p:stCondLst>
+                              <p:cond delay="0"/>
+                            </p:stCondLst>
+                            <p:childTnLst>
+                              <p:par>
+                                <p:cTn id="13" presetID="1" presetClass="entr" presetSubtype="0" fill="hold" grpId="0" nodeType="clickEffect">
+                                  <p:stCondLst>
+                                    <p:cond delay="0"/>
+                                  </p:stCondLst>
+                                  <p:childTnLst>
+                                    <p:set>
+                                      <p:cBhvr>
+                                        <p:cTn id="14" dur="1" fill="hold">
+                                          <p:stCondLst>
+                                            <p:cond delay="0"/>
+                                          </p:stCondLst>
+                                        </p:cTn>
+                                        <p:tgtEl>
+                                          <p:spTgt spid="3">
+                                            <p:txEl>
+                                              <p:pRg st="3" end="3"/>
+                                            </p:txEl>
+                                          </p:spTgt>
+                                        </p:tgtEl>
+                                        <p:attrNameLst>
+                                          <p:attrName>style.visibility</p:attrName>
+                                        </p:attrNameLst>
+                                      </p:cBhvr>
+                                      <p:to>
+                                        <p:strVal val="visible"/>
+                                      </p:to>
+                                    </p:set>
+                                  </p:childTnLst>
+                                </p:cTn>
+                              </p:par>
+                              <p:par>
+                                <p:cTn id="15" presetID="1" presetClass="entr" presetSubtype="0" fill="hold" grpId="0" nodeType="withEffect">
+                                  <p:stCondLst>
+                                    <p:cond delay="0"/>
+                                  </p:stCondLst>
+                                  <p:childTnLst>
+                                    <p:set>
+                                      <p:cBhvr>
+                                        <p:cTn id="16" dur="1" fill="hold">
+                                          <p:stCondLst>
+                                            <p:cond delay="0"/>
+                                          </p:stCondLst>
+                                        </p:cTn>
+                                        <p:tgtEl>
+                                          <p:spTgt spid="3">
+                                            <p:txEl>
+                                              <p:pRg st="4" end="4"/>
+                                            </p:txEl>
+                                          </p:spTgt>
+                                        </p:tgtEl>
+                                        <p:attrNameLst>
+                                          <p:attrName>style.visibility</p:attrName>
+                                        </p:attrNameLst>
+                                      </p:cBhvr>
+                                      <p:to>
+                                        <p:strVal val="visible"/>
+                                      </p:to>
+                                    </p:set>
+                                  </p:childTnLst>
+                                </p:cTn>
+                              </p:par>
+                              <p:par>
+                                <p:cTn id="17" presetID="1" presetClass="entr" presetSubtype="0" fill="hold" grpId="0" nodeType="withEffect">
+                                  <p:stCondLst>
+                                    <p:cond delay="0"/>
+                                  </p:stCondLst>
+                                  <p:childTnLst>
+                                    <p:set>
+                                      <p:cBhvr>
+                                        <p:cTn id="18" dur="1" fill="hold">
+                                          <p:stCondLst>
+                                            <p:cond delay="0"/>
+                                          </p:stCondLst>
+                                        </p:cTn>
+                                        <p:tgtEl>
+                                          <p:spTgt spid="3">
+                                            <p:txEl>
+                                              <p:pRg st="5" end="5"/>
+                                            </p:txEl>
+                                          </p:spTgt>
+                                        </p:tgtEl>
+                                        <p:attrNameLst>
+                                          <p:attrName>style.visibility</p:attrName>
+                                        </p:attrNameLst>
+                                      </p:cBhvr>
+                                      <p:to>
+                                        <p:strVal val="visible"/>
+                                      </p:to>
+                                    </p:set>
+                                  </p:childTnLst>
+                                </p:cTn>
+                              </p:par>
+                              <p:par>
+                                <p:cTn id="19" presetID="1" presetClass="entr" presetSubtype="0" fill="hold" grpId="0" nodeType="withEffect">
+                                  <p:stCondLst>
+                                    <p:cond delay="0"/>
+                                  </p:stCondLst>
+                                  <p:childTnLst>
+                                    <p:set>
+                                      <p:cBhvr>
+                                        <p:cTn id="20" dur="1" fill="hold">
+                                          <p:stCondLst>
+                                            <p:cond delay="0"/>
+                                          </p:stCondLst>
+                                        </p:cTn>
+                                        <p:tgtEl>
+                                          <p:spTgt spid="3">
+                                            <p:txEl>
+                                              <p:pRg st="6" end="6"/>
+                                            </p:txEl>
+                                          </p:spTgt>
+                                        </p:tgtEl>
+                                        <p:attrNameLst>
+                                          <p:attrName>style.visibility</p:attrName>
+                                        </p:attrNameLst>
+                                      </p:cBhvr>
+                                      <p:to>
+                                        <p:strVal val="visible"/>
+                                      </p:to>
+                                    </p:set>
+                                  </p:childTnLst>
+                                </p:cTn>
+                              </p:par>
+                            </p:childTnLst>
+                          </p:cTn>
+                        </p:par>
+                      </p:childTnLst>
+                    </p:cTn>
+                  </p:par>
+                  <p:par>
+                    <p:cTn id="21" fill="hold">
+                      <p:stCondLst>
+                        <p:cond delay="indefinite"/>
+                      </p:stCondLst>
+                      <p:childTnLst>
+                        <p:par>
+                          <p:cTn id="22" fill="hold">
+                            <p:stCondLst>
+                              <p:cond delay="0"/>
+                            </p:stCondLst>
+                            <p:childTnLst>
+                              <p:par>
+                                <p:cTn id="23" presetID="1" presetClass="entr" presetSubtype="0" fill="hold" grpId="0" nodeType="clickEffect">
+                                  <p:stCondLst>
+                                    <p:cond delay="0"/>
+                                  </p:stCondLst>
+                                  <p:childTnLst>
+                                    <p:set>
+                                      <p:cBhvr>
+                                        <p:cTn id="24" dur="1" fill="hold">
+                                          <p:stCondLst>
+                                            <p:cond delay="0"/>
+                                          </p:stCondLst>
+                                        </p:cTn>
+                                        <p:tgtEl>
+                                          <p:spTgt spid="3">
+                                            <p:txEl>
+                                              <p:pRg st="7" end="7"/>
+                                            </p:txEl>
+                                          </p:spTgt>
+                                        </p:tgtEl>
+                                        <p:attrNameLst>
+                                          <p:attrName>style.visibility</p:attrName>
+                                        </p:attrNameLst>
+                                      </p:cBhvr>
+                                      <p:to>
+                                        <p:strVal val="visible"/>
+                                      </p:to>
+                                    </p:set>
+                                  </p:childTnLst>
+                                </p:cTn>
+                              </p:par>
+                            </p:childTnLst>
+                          </p:cTn>
+                        </p:par>
+                      </p:childTnLst>
+                    </p:cTn>
+                  </p:par>
+                  <p:par>
+                    <p:cTn id="25" fill="hold">
+                      <p:stCondLst>
+                        <p:cond delay="indefinite"/>
+                      </p:stCondLst>
+                      <p:childTnLst>
+                        <p:par>
+                          <p:cTn id="26" fill="hold">
+                            <p:stCondLst>
+                              <p:cond delay="0"/>
+                            </p:stCondLst>
+                            <p:childTnLst>
+                              <p:par>
+                                <p:cTn id="27" presetID="1" presetClass="entr" presetSubtype="0" fill="hold" grpId="0" nodeType="clickEffect">
+                                  <p:stCondLst>
+                                    <p:cond delay="0"/>
+                                  </p:stCondLst>
+                                  <p:childTnLst>
+                                    <p:set>
+                                      <p:cBhvr>
+                                        <p:cTn id="28" dur="1" fill="hold">
+                                          <p:stCondLst>
+                                            <p:cond delay="0"/>
+                                          </p:stCondLst>
+                                        </p:cTn>
+                                        <p:tgtEl>
+                                          <p:spTgt spid="3">
+                                            <p:txEl>
+                                              <p:pRg st="8" end="8"/>
+                                            </p:txEl>
+                                          </p:spTgt>
+                                        </p:tgtEl>
+                                        <p:attrNameLst>
+                                          <p:attrName>style.visibility</p:attrName>
+                                        </p:attrNameLst>
+                                      </p:cBhvr>
+                                      <p:to>
+                                        <p:strVal val="visible"/>
+                                      </p:to>
+                                    </p:set>
+                                  </p:childTnLst>
+                                </p:cTn>
+                              </p:par>
+                            </p:childTnLst>
+                          </p:cTn>
+                        </p:par>
+                      </p:childTnLst>
+                    </p:cTn>
+                  </p:par>
+                </p:childTnLst>
+              </p:cTn>
+              <p:prevCondLst>
+                <p:cond evt="onPrev" delay="0">
+                  <p:tgtEl>
+                    <p:sldTgt/>
+                  </p:tgtEl>
+                </p:cond>
+              </p:prevCondLst>
+              <p:nextCondLst>
+                <p:cond evt="onNext" delay="0">
+                  <p:tgtEl>
+                    <p:sldTgt/>
+                  </p:tgtEl>
+                </p:cond>
+              </p:nextCondLst>
+            </p:seq>
+          </p:childTnLst>
+        </p:cTn>
+      </p:par>
+    </p:tnLst>
+    <p:bldLst>
+      <p:bldP spid="3" grpId="0" uiExpand="1" build="p" bldLvl="3"/>
+    </p:bldLst>
+  </p:timing>
+</p:sld>
+</file>
+
+<file path=ppt/slides/slide8.xml><?xml version="1.0" encoding="utf-8"?>
+<p:sld xmlns:a="http://schemas.openxmlformats.org/drawingml/2006/main" xmlns:r="http://schemas.openxmlformats.org/officeDocument/2006/relationships" xmlns:p="http://schemas.openxmlformats.org/presentationml/2006/main">
+  <p:cSld>
+    <p:spTree>
+      <p:nvGrpSpPr>
+        <p:cNvPr id="1" name=""/>
+        <p:cNvGrpSpPr/>
+        <p:nvPr/>
+      </p:nvGrpSpPr>
+      <p:grpSpPr>
+        <a:xfrm>
+          <a:off x="0" y="0"/>
+          <a:ext cx="0" cy="0"/>
+          <a:chOff x="0" y="0"/>
+          <a:chExt cx="0" cy="0"/>
+        </a:xfrm>
+      </p:grpSpPr>
+      <p:sp>
+        <p:nvSpPr>
+          <p:cNvPr id="2" name="Title 1">
+            <a:extLst>
+              <a:ext uri="{FF2B5EF4-FFF2-40B4-BE49-F238E27FC236}">
                 <a16:creationId xmlns:a16="http://schemas.microsoft.com/office/drawing/2014/main" id="{54CD3D32-F6A6-4889-A175-F32034486AD9}"/>
               </a:ext>
             </a:extLst>
@@ -13665,7 +14315,7 @@
         </p:nvSpPr>
         <p:spPr>
           <a:xfrm>
-            <a:off x="714791" y="3363570"/>
+            <a:off x="774551" y="3351618"/>
             <a:ext cx="1103340" cy="175709"/>
           </a:xfrm>
           <a:prstGeom prst="rect">
@@ -14491,187 +15141,6 @@
       </p:par>
     </p:tnLst>
   </p:timing>
-</p:sld>
-</file>
-
-<file path=ppt/slides/slide8.xml><?xml version="1.0" encoding="utf-8"?>
-<p:sld xmlns:a="http://schemas.openxmlformats.org/drawingml/2006/main" xmlns:r="http://schemas.openxmlformats.org/officeDocument/2006/relationships" xmlns:p="http://schemas.openxmlformats.org/presentationml/2006/main">
-  <p:cSld>
-    <p:spTree>
-      <p:nvGrpSpPr>
-        <p:cNvPr id="1" name=""/>
-        <p:cNvGrpSpPr/>
-        <p:nvPr/>
-      </p:nvGrpSpPr>
-      <p:grpSpPr>
-        <a:xfrm>
-          <a:off x="0" y="0"/>
-          <a:ext cx="0" cy="0"/>
-          <a:chOff x="0" y="0"/>
-          <a:chExt cx="0" cy="0"/>
-        </a:xfrm>
-      </p:grpSpPr>
-      <p:sp>
-        <p:nvSpPr>
-          <p:cNvPr id="2" name="Title 1">
-            <a:extLst>
-              <a:ext uri="{FF2B5EF4-FFF2-40B4-BE49-F238E27FC236}">
-                <a16:creationId xmlns:a16="http://schemas.microsoft.com/office/drawing/2014/main" id="{88F85A76-F99A-4ED8-BA15-D0A2522227EC}"/>
-              </a:ext>
-            </a:extLst>
-          </p:cNvPr>
-          <p:cNvSpPr>
-            <a:spLocks noGrp="1"/>
-          </p:cNvSpPr>
-          <p:nvPr>
-            <p:ph type="title"/>
-          </p:nvPr>
-        </p:nvSpPr>
-        <p:spPr/>
-        <p:txBody>
-          <a:bodyPr/>
-          <a:lstStyle/>
-          <a:p>
-            <a:r>
-              <a:rPr lang="en-US" dirty="0"/>
-              <a:t>Goals</a:t>
-            </a:r>
-          </a:p>
-        </p:txBody>
-      </p:sp>
-      <p:sp>
-        <p:nvSpPr>
-          <p:cNvPr id="3" name="Content Placeholder 2">
-            <a:extLst>
-              <a:ext uri="{FF2B5EF4-FFF2-40B4-BE49-F238E27FC236}">
-                <a16:creationId xmlns:a16="http://schemas.microsoft.com/office/drawing/2014/main" id="{A3A0227D-A3DD-46B1-80E9-DA2E1DE8A2BA}"/>
-              </a:ext>
-            </a:extLst>
-          </p:cNvPr>
-          <p:cNvSpPr>
-            <a:spLocks noGrp="1"/>
-          </p:cNvSpPr>
-          <p:nvPr>
-            <p:ph sz="quarter" idx="10"/>
-          </p:nvPr>
-        </p:nvSpPr>
-        <p:spPr/>
-        <p:txBody>
-          <a:bodyPr/>
-          <a:lstStyle/>
-          <a:p>
-            <a:pPr>
-              <a:buFont typeface="Arial" panose="020B0604020202020204" pitchFamily="34" charset="0"/>
-              <a:buChar char="•"/>
-            </a:pPr>
-            <a:r>
-              <a:rPr lang="en-US" b="1" dirty="0"/>
-              <a:t>Security</a:t>
-            </a:r>
-            <a:r>
-              <a:rPr lang="en-US" dirty="0"/>
-              <a:t> – use of private key should be tied to </a:t>
-            </a:r>
-            <a:r>
-              <a:rPr lang="en-US" b="1" i="1" dirty="0"/>
-              <a:t>&lt;client, server, command&gt;</a:t>
-            </a:r>
-          </a:p>
-          <a:p>
-            <a:pPr>
-              <a:buFont typeface="Arial" panose="020B0604020202020204" pitchFamily="34" charset="0"/>
-              <a:buChar char="•"/>
-            </a:pPr>
-            <a:r>
-              <a:rPr lang="en-US" b="1" dirty="0"/>
-              <a:t>Transparency</a:t>
-            </a:r>
-            <a:r>
-              <a:rPr lang="en-US" dirty="0"/>
-              <a:t> – ability to audit all uses of private key</a:t>
-            </a:r>
-          </a:p>
-          <a:p>
-            <a:pPr>
-              <a:buFont typeface="Arial" panose="020B0604020202020204" pitchFamily="34" charset="0"/>
-              <a:buChar char="•"/>
-            </a:pPr>
-            <a:r>
-              <a:rPr lang="en-US" b="1" dirty="0"/>
-              <a:t>Simple key management –  </a:t>
-            </a:r>
-          </a:p>
-          <a:p>
-            <a:pPr lvl="2">
-              <a:buFont typeface="Arial" panose="020B0604020202020204" pitchFamily="34" charset="0"/>
-              <a:buChar char="•"/>
-            </a:pPr>
-            <a:r>
-              <a:rPr lang="en-US" dirty="0"/>
-              <a:t>Avoid proliferation of private key</a:t>
-            </a:r>
-          </a:p>
-          <a:p>
-            <a:pPr lvl="2">
-              <a:buFont typeface="Arial" panose="020B0604020202020204" pitchFamily="34" charset="0"/>
-              <a:buChar char="•"/>
-            </a:pPr>
-            <a:r>
-              <a:rPr lang="en-US" dirty="0"/>
-              <a:t>Avoid multiple keys </a:t>
-            </a:r>
-          </a:p>
-          <a:p>
-            <a:pPr marL="257175" lvl="1" indent="-257175">
-              <a:buFont typeface="Arial" panose="020B0604020202020204" pitchFamily="34" charset="0"/>
-              <a:buChar char="•"/>
-            </a:pPr>
-            <a:r>
-              <a:rPr lang="en-US" b="1" spc="15" dirty="0">
-                <a:solidFill>
-                  <a:schemeClr val="tx1"/>
-                </a:solidFill>
-              </a:rPr>
-              <a:t>“Transport layer friendliness”</a:t>
-            </a:r>
-          </a:p>
-          <a:p>
-            <a:pPr lvl="1">
-              <a:buFont typeface="Arial" panose="020B0604020202020204" pitchFamily="34" charset="0"/>
-              <a:buChar char="•"/>
-            </a:pPr>
-            <a:r>
-              <a:rPr lang="en-US" b="1" spc="15" dirty="0">
-                <a:solidFill>
-                  <a:schemeClr val="tx1"/>
-                </a:solidFill>
-              </a:rPr>
-              <a:t>Compatibility</a:t>
-            </a:r>
-            <a:r>
-              <a:rPr lang="en-US" b="1" dirty="0"/>
-              <a:t> </a:t>
-            </a:r>
-            <a:r>
-              <a:rPr lang="en-US" dirty="0"/>
-              <a:t>with existing server implementations</a:t>
-            </a:r>
-          </a:p>
-        </p:txBody>
-      </p:sp>
-    </p:spTree>
-    <p:extLst>
-      <p:ext uri="{BB962C8B-B14F-4D97-AF65-F5344CB8AC3E}">
-        <p14:creationId xmlns:p14="http://schemas.microsoft.com/office/powerpoint/2010/main" val="3924482838"/>
-      </p:ext>
-    </p:extLst>
-  </p:cSld>
-  <p:clrMapOvr>
-    <a:masterClrMapping/>
-  </p:clrMapOvr>
-  <p:transition spd="slow">
-    <p:fade/>
-  </p:transition>
 </p:sld>
 </file>
 
